--- a/ICPC/List(STL)/ICPC_List_201907010.pptx
+++ b/ICPC/List(STL)/ICPC_List_201907010.pptx
@@ -5237,15 +5237,23 @@
             </a:r>
             <a:r>
               <a:rPr lang="ko-KR" altLang="en-US" dirty="0"/>
-              <a:t>는 이중 연결 리스트</a:t>
-            </a:r>
-            <a:r>
-              <a:rPr lang="en-US" altLang="ko-KR" dirty="0"/>
+              <a:t>는 </a:t>
+            </a:r>
+            <a:r>
+              <a:rPr lang="ko-KR" altLang="en-US" b="1" dirty="0"/>
+              <a:t>이중 연결 리스트</a:t>
+            </a:r>
+            <a:r>
+              <a:rPr lang="en-US" altLang="ko-KR" b="1" dirty="0"/>
               <a:t> </a:t>
             </a:r>
             <a:r>
+              <a:rPr lang="ko-KR" altLang="en-US" b="1" dirty="0"/>
+              <a:t>구조</a:t>
+            </a:r>
+            <a:r>
               <a:rPr lang="ko-KR" altLang="en-US" dirty="0"/>
-              <a:t>구조이다</a:t>
+              <a:t>이다</a:t>
             </a:r>
             <a:r>
               <a:rPr lang="en-US" altLang="ko-KR" dirty="0"/>
@@ -5400,8 +5408,24 @@
               <a:t>#</a:t>
             </a:r>
             <a:r>
+              <a:rPr lang="ko-KR" altLang="en-US" b="1" dirty="0">
+                <a:solidFill>
+                  <a:schemeClr val="tx1"/>
+                </a:solidFill>
+              </a:rPr>
+              <a:t>동적 할당</a:t>
+            </a:r>
+            <a:r>
+              <a:rPr lang="ko-KR" altLang="en-US" dirty="0">
+                <a:solidFill>
+                  <a:schemeClr val="tx1"/>
+                </a:solidFill>
+              </a:rPr>
+              <a:t>을 </a:t>
+            </a:r>
+            <a:r>
               <a:rPr lang="ko-KR" altLang="en-US" dirty="0"/>
-              <a:t>동적 할당을 기본적으로 제공한다</a:t>
+              <a:t>기본적으로 제공한다</a:t>
             </a:r>
             <a:r>
               <a:rPr lang="en-US" altLang="ko-KR" dirty="0"/>
@@ -5649,7 +5673,7 @@
           <p:nvPr>
             <p:extLst>
               <p:ext uri="{D42A27DB-BD31-4B8C-83A1-F6EECF244321}">
-                <p14:modId xmlns:p14="http://schemas.microsoft.com/office/powerpoint/2010/main" val="2331661634"/>
+                <p14:modId xmlns:p14="http://schemas.microsoft.com/office/powerpoint/2010/main" val="3255032068"/>
               </p:ext>
             </p:extLst>
           </p:nvPr>
@@ -5690,12 +5714,12 @@
                       <a:r>
                         <a:rPr lang="en-US" altLang="ko-KR" sz="1500" b="1" dirty="0" err="1">
                           <a:ln>
-                            <a:solidFill>
-                              <a:sysClr val="windowText" lastClr="000000"/>
-                            </a:solidFill>
+                            <a:noFill/>
                           </a:ln>
                           <a:solidFill>
-                            <a:schemeClr val="bg1"/>
+                            <a:schemeClr val="tx2">
+                              <a:lumMod val="50000"/>
+                            </a:schemeClr>
                           </a:solidFill>
                         </a:rPr>
                         <a:t>List.push_back</a:t>
@@ -5703,12 +5727,12 @@
                       <a:r>
                         <a:rPr lang="en-US" altLang="ko-KR" sz="1500" b="1" dirty="0">
                           <a:ln>
-                            <a:solidFill>
-                              <a:sysClr val="windowText" lastClr="000000"/>
-                            </a:solidFill>
+                            <a:noFill/>
                           </a:ln>
                           <a:solidFill>
-                            <a:schemeClr val="bg1"/>
+                            <a:schemeClr val="tx2">
+                              <a:lumMod val="50000"/>
+                            </a:schemeClr>
                           </a:solidFill>
                         </a:rPr>
                         <a:t>(x); </a:t>
@@ -5719,12 +5743,12 @@
                       <a:r>
                         <a:rPr lang="en-US" altLang="ko-KR" sz="1500" b="1" dirty="0" err="1">
                           <a:ln>
-                            <a:solidFill>
-                              <a:sysClr val="windowText" lastClr="000000"/>
-                            </a:solidFill>
+                            <a:noFill/>
                           </a:ln>
                           <a:solidFill>
-                            <a:schemeClr val="bg1"/>
+                            <a:schemeClr val="tx2">
+                              <a:lumMod val="50000"/>
+                            </a:schemeClr>
                           </a:solidFill>
                         </a:rPr>
                         <a:t>List.push_front</a:t>
@@ -5732,24 +5756,24 @@
                       <a:r>
                         <a:rPr lang="en-US" altLang="ko-KR" sz="1500" b="1" dirty="0">
                           <a:ln>
-                            <a:solidFill>
-                              <a:sysClr val="windowText" lastClr="000000"/>
-                            </a:solidFill>
+                            <a:noFill/>
                           </a:ln>
                           <a:solidFill>
-                            <a:schemeClr val="bg1"/>
+                            <a:schemeClr val="tx2">
+                              <a:lumMod val="50000"/>
+                            </a:schemeClr>
                           </a:solidFill>
                         </a:rPr>
                         <a:t>(x);</a:t>
                       </a:r>
                       <a:endParaRPr lang="ko-KR" altLang="en-US" sz="1500" b="1" dirty="0">
                         <a:ln>
-                          <a:solidFill>
-                            <a:sysClr val="windowText" lastClr="000000"/>
-                          </a:solidFill>
+                          <a:noFill/>
                         </a:ln>
                         <a:solidFill>
-                          <a:schemeClr val="bg1"/>
+                          <a:schemeClr val="tx2">
+                            <a:lumMod val="50000"/>
+                          </a:schemeClr>
                         </a:solidFill>
                       </a:endParaRPr>
                     </a:p>
@@ -5800,8 +5824,9 @@
                       <a:prstDash val="solid"/>
                     </a:lnBlToTr>
                     <a:solidFill>
-                      <a:schemeClr val="accent1">
-                        <a:lumMod val="50000"/>
+                      <a:schemeClr val="accent5">
+                        <a:lumMod val="60000"/>
+                        <a:lumOff val="40000"/>
                       </a:schemeClr>
                     </a:solidFill>
                   </a:tcPr>
@@ -5815,12 +5840,12 @@
                       <a:r>
                         <a:rPr lang="ko-KR" altLang="en-US" sz="1500" b="1" dirty="0">
                           <a:ln>
-                            <a:solidFill>
-                              <a:sysClr val="windowText" lastClr="000000"/>
-                            </a:solidFill>
+                            <a:noFill/>
                           </a:ln>
                           <a:solidFill>
-                            <a:schemeClr val="bg1"/>
+                            <a:schemeClr val="tx2">
+                              <a:lumMod val="50000"/>
+                            </a:schemeClr>
                           </a:solidFill>
                         </a:rPr>
                         <a:t>리스트의 끝이나 시작에 요소 추가</a:t>
@@ -5873,8 +5898,9 @@
                       <a:prstDash val="solid"/>
                     </a:lnBlToTr>
                     <a:solidFill>
-                      <a:schemeClr val="accent1">
-                        <a:lumMod val="50000"/>
+                      <a:schemeClr val="accent5">
+                        <a:lumMod val="60000"/>
+                        <a:lumOff val="40000"/>
                       </a:schemeClr>
                     </a:solidFill>
                   </a:tcPr>
@@ -5895,12 +5921,12 @@
                       <a:r>
                         <a:rPr lang="en-US" altLang="ko-KR" sz="1500" b="1" dirty="0" err="1">
                           <a:ln>
-                            <a:solidFill>
-                              <a:sysClr val="windowText" lastClr="000000"/>
-                            </a:solidFill>
+                            <a:noFill/>
                           </a:ln>
                           <a:solidFill>
-                            <a:schemeClr val="bg1"/>
+                            <a:schemeClr val="tx2">
+                              <a:lumMod val="50000"/>
+                            </a:schemeClr>
                           </a:solidFill>
                         </a:rPr>
                         <a:t>List.pop_back</a:t>
@@ -5908,12 +5934,12 @@
                       <a:r>
                         <a:rPr lang="en-US" altLang="ko-KR" sz="1500" b="1" dirty="0">
                           <a:ln>
-                            <a:solidFill>
-                              <a:sysClr val="windowText" lastClr="000000"/>
-                            </a:solidFill>
+                            <a:noFill/>
                           </a:ln>
                           <a:solidFill>
-                            <a:schemeClr val="bg1"/>
+                            <a:schemeClr val="tx2">
+                              <a:lumMod val="50000"/>
+                            </a:schemeClr>
                           </a:solidFill>
                         </a:rPr>
                         <a:t>();</a:t>
@@ -5924,12 +5950,12 @@
                       <a:r>
                         <a:rPr lang="en-US" altLang="ko-KR" sz="1500" b="1" dirty="0" err="1">
                           <a:ln>
-                            <a:solidFill>
-                              <a:sysClr val="windowText" lastClr="000000"/>
-                            </a:solidFill>
+                            <a:noFill/>
                           </a:ln>
                           <a:solidFill>
-                            <a:schemeClr val="bg1"/>
+                            <a:schemeClr val="tx2">
+                              <a:lumMod val="50000"/>
+                            </a:schemeClr>
                           </a:solidFill>
                         </a:rPr>
                         <a:t>List.pop_front</a:t>
@@ -5937,24 +5963,24 @@
                       <a:r>
                         <a:rPr lang="en-US" altLang="ko-KR" sz="1500" b="1" dirty="0">
                           <a:ln>
-                            <a:solidFill>
-                              <a:sysClr val="windowText" lastClr="000000"/>
-                            </a:solidFill>
+                            <a:noFill/>
                           </a:ln>
                           <a:solidFill>
-                            <a:schemeClr val="bg1"/>
+                            <a:schemeClr val="tx2">
+                              <a:lumMod val="50000"/>
+                            </a:schemeClr>
                           </a:solidFill>
                         </a:rPr>
                         <a:t>();</a:t>
                       </a:r>
                       <a:endParaRPr lang="ko-KR" altLang="en-US" sz="1500" b="1" dirty="0">
                         <a:ln>
-                          <a:solidFill>
-                            <a:sysClr val="windowText" lastClr="000000"/>
-                          </a:solidFill>
+                          <a:noFill/>
                         </a:ln>
                         <a:solidFill>
-                          <a:schemeClr val="bg1"/>
+                          <a:schemeClr val="tx2">
+                            <a:lumMod val="50000"/>
+                          </a:schemeClr>
                         </a:solidFill>
                       </a:endParaRPr>
                     </a:p>
@@ -6005,8 +6031,9 @@
                       <a:prstDash val="solid"/>
                     </a:lnBlToTr>
                     <a:solidFill>
-                      <a:schemeClr val="accent1">
-                        <a:lumMod val="50000"/>
+                      <a:schemeClr val="accent5">
+                        <a:lumMod val="60000"/>
+                        <a:lumOff val="40000"/>
                       </a:schemeClr>
                     </a:solidFill>
                   </a:tcPr>
@@ -6020,12 +6047,12 @@
                       <a:r>
                         <a:rPr lang="ko-KR" altLang="en-US" sz="1500" b="1" dirty="0">
                           <a:ln>
-                            <a:solidFill>
-                              <a:sysClr val="windowText" lastClr="000000"/>
-                            </a:solidFill>
+                            <a:noFill/>
                           </a:ln>
                           <a:solidFill>
-                            <a:schemeClr val="bg1"/>
+                            <a:schemeClr val="tx2">
+                              <a:lumMod val="50000"/>
+                            </a:schemeClr>
                           </a:solidFill>
                         </a:rPr>
                         <a:t>리스트의 끝이나 시작에 있는 요소를 제거</a:t>
@@ -6078,8 +6105,9 @@
                       <a:prstDash val="solid"/>
                     </a:lnBlToTr>
                     <a:solidFill>
-                      <a:schemeClr val="accent1">
-                        <a:lumMod val="50000"/>
+                      <a:schemeClr val="accent5">
+                        <a:lumMod val="60000"/>
+                        <a:lumOff val="40000"/>
                       </a:schemeClr>
                     </a:solidFill>
                   </a:tcPr>
@@ -6100,12 +6128,12 @@
                       <a:r>
                         <a:rPr lang="en-US" altLang="ko-KR" sz="1500" b="1" dirty="0" err="1">
                           <a:ln>
-                            <a:solidFill>
-                              <a:sysClr val="windowText" lastClr="000000"/>
-                            </a:solidFill>
+                            <a:noFill/>
                           </a:ln>
                           <a:solidFill>
-                            <a:schemeClr val="bg1"/>
+                            <a:schemeClr val="tx2">
+                              <a:lumMod val="50000"/>
+                            </a:schemeClr>
                           </a:solidFill>
                         </a:rPr>
                         <a:t>List.remove</a:t>
@@ -6113,12 +6141,12 @@
                       <a:r>
                         <a:rPr lang="en-US" altLang="ko-KR" sz="1500" b="1" dirty="0">
                           <a:ln>
-                            <a:solidFill>
-                              <a:sysClr val="windowText" lastClr="000000"/>
-                            </a:solidFill>
+                            <a:noFill/>
                           </a:ln>
                           <a:solidFill>
-                            <a:schemeClr val="bg1"/>
+                            <a:schemeClr val="tx2">
+                              <a:lumMod val="50000"/>
+                            </a:schemeClr>
                           </a:solidFill>
                         </a:rPr>
                         <a:t>(x);</a:t>
@@ -6129,12 +6157,12 @@
                       <a:r>
                         <a:rPr lang="en-US" altLang="ko-KR" sz="1500" b="1" dirty="0" err="1">
                           <a:ln>
-                            <a:solidFill>
-                              <a:sysClr val="windowText" lastClr="000000"/>
-                            </a:solidFill>
+                            <a:noFill/>
                           </a:ln>
                           <a:solidFill>
-                            <a:schemeClr val="bg1"/>
+                            <a:schemeClr val="tx2">
+                              <a:lumMod val="50000"/>
+                            </a:schemeClr>
                           </a:solidFill>
                         </a:rPr>
                         <a:t>List.remove_if</a:t>
@@ -6142,24 +6170,24 @@
                       <a:r>
                         <a:rPr lang="en-US" altLang="ko-KR" sz="1500" b="1" dirty="0">
                           <a:ln>
-                            <a:solidFill>
-                              <a:sysClr val="windowText" lastClr="000000"/>
-                            </a:solidFill>
+                            <a:noFill/>
                           </a:ln>
                           <a:solidFill>
-                            <a:schemeClr val="bg1"/>
+                            <a:schemeClr val="tx2">
+                              <a:lumMod val="50000"/>
+                            </a:schemeClr>
                           </a:solidFill>
                         </a:rPr>
                         <a:t>(predicate);</a:t>
                       </a:r>
                       <a:endParaRPr lang="ko-KR" altLang="en-US" sz="1500" b="1" dirty="0">
                         <a:ln>
-                          <a:solidFill>
-                            <a:sysClr val="windowText" lastClr="000000"/>
-                          </a:solidFill>
+                          <a:noFill/>
                         </a:ln>
                         <a:solidFill>
-                          <a:schemeClr val="bg1"/>
+                          <a:schemeClr val="tx2">
+                            <a:lumMod val="50000"/>
+                          </a:schemeClr>
                         </a:solidFill>
                       </a:endParaRPr>
                     </a:p>
@@ -6210,8 +6238,9 @@
                       <a:prstDash val="solid"/>
                     </a:lnBlToTr>
                     <a:solidFill>
-                      <a:schemeClr val="accent1">
-                        <a:lumMod val="50000"/>
+                      <a:schemeClr val="accent5">
+                        <a:lumMod val="60000"/>
+                        <a:lumOff val="40000"/>
                       </a:schemeClr>
                     </a:solidFill>
                   </a:tcPr>
@@ -6225,12 +6254,12 @@
                       <a:r>
                         <a:rPr lang="ko-KR" altLang="en-US" sz="1500" b="1" dirty="0">
                           <a:ln>
-                            <a:solidFill>
-                              <a:sysClr val="windowText" lastClr="000000"/>
-                            </a:solidFill>
+                            <a:noFill/>
                           </a:ln>
                           <a:solidFill>
-                            <a:schemeClr val="bg1"/>
+                            <a:schemeClr val="tx2">
+                              <a:lumMod val="50000"/>
+                            </a:schemeClr>
                           </a:solidFill>
                         </a:rPr>
                         <a:t>지정한 값이나</a:t>
@@ -6238,12 +6267,12 @@
                       <a:r>
                         <a:rPr lang="en-US" altLang="ko-KR" sz="1500" b="1" dirty="0">
                           <a:ln>
-                            <a:solidFill>
-                              <a:sysClr val="windowText" lastClr="000000"/>
-                            </a:solidFill>
+                            <a:noFill/>
                           </a:ln>
                           <a:solidFill>
-                            <a:schemeClr val="bg1"/>
+                            <a:schemeClr val="tx2">
+                              <a:lumMod val="50000"/>
+                            </a:schemeClr>
                           </a:solidFill>
                         </a:rPr>
                         <a:t> </a:t>
@@ -6251,12 +6280,12 @@
                       <a:r>
                         <a:rPr lang="ko-KR" altLang="en-US" sz="1500" b="1" dirty="0">
                           <a:ln>
-                            <a:solidFill>
-                              <a:sysClr val="windowText" lastClr="000000"/>
-                            </a:solidFill>
+                            <a:noFill/>
                           </a:ln>
                           <a:solidFill>
-                            <a:schemeClr val="bg1"/>
+                            <a:schemeClr val="tx2">
+                              <a:lumMod val="50000"/>
+                            </a:schemeClr>
                           </a:solidFill>
                         </a:rPr>
                         <a:t>조건과 일치하는 요소를 제거</a:t>
@@ -6309,8 +6338,9 @@
                       <a:prstDash val="solid"/>
                     </a:lnBlToTr>
                     <a:solidFill>
-                      <a:schemeClr val="accent1">
-                        <a:lumMod val="50000"/>
+                      <a:schemeClr val="accent5">
+                        <a:lumMod val="60000"/>
+                        <a:lumOff val="40000"/>
                       </a:schemeClr>
                     </a:solidFill>
                   </a:tcPr>
@@ -6329,27 +6359,40 @@
                     <a:p>
                       <a:pPr latinLnBrk="1"/>
                       <a:r>
+                        <a:rPr lang="en-US" altLang="ko-KR" sz="1500" b="1" dirty="0" err="1">
+                          <a:ln>
+                            <a:noFill/>
+                          </a:ln>
+                          <a:solidFill>
+                            <a:schemeClr val="tx2">
+                              <a:lumMod val="50000"/>
+                            </a:schemeClr>
+                          </a:solidFill>
+                        </a:rPr>
+                        <a:t>Iter</a:t>
+                      </a:r>
+                      <a:r>
                         <a:rPr lang="en-US" altLang="ko-KR" sz="1500" b="1" dirty="0">
                           <a:ln>
-                            <a:solidFill>
-                              <a:sysClr val="windowText" lastClr="000000"/>
-                            </a:solidFill>
+                            <a:noFill/>
                           </a:ln>
                           <a:solidFill>
-                            <a:schemeClr val="bg1"/>
+                            <a:schemeClr val="tx2">
+                              <a:lumMod val="50000"/>
+                            </a:schemeClr>
                           </a:solidFill>
                         </a:rPr>
-                        <a:t>It = </a:t>
+                        <a:t> = </a:t>
                       </a:r>
                       <a:r>
                         <a:rPr lang="en-US" altLang="ko-KR" sz="1500" b="1" dirty="0" err="1">
                           <a:ln>
-                            <a:solidFill>
-                              <a:sysClr val="windowText" lastClr="000000"/>
-                            </a:solidFill>
+                            <a:noFill/>
                           </a:ln>
                           <a:solidFill>
-                            <a:schemeClr val="bg1"/>
+                            <a:schemeClr val="tx2">
+                              <a:lumMod val="50000"/>
+                            </a:schemeClr>
                           </a:solidFill>
                         </a:rPr>
                         <a:t>List.erase</a:t>
@@ -6357,12 +6400,12 @@
                       <a:r>
                         <a:rPr lang="en-US" altLang="ko-KR" sz="1500" b="1" dirty="0">
                           <a:ln>
-                            <a:solidFill>
-                              <a:sysClr val="windowText" lastClr="000000"/>
-                            </a:solidFill>
+                            <a:noFill/>
                           </a:ln>
                           <a:solidFill>
-                            <a:schemeClr val="bg1"/>
+                            <a:schemeClr val="tx2">
+                              <a:lumMod val="50000"/>
+                            </a:schemeClr>
                           </a:solidFill>
                         </a:rPr>
                         <a:t>(</a:t>
@@ -6370,12 +6413,12 @@
                       <a:r>
                         <a:rPr lang="en-US" altLang="ko-KR" sz="1500" b="1" dirty="0" err="1">
                           <a:ln>
-                            <a:solidFill>
-                              <a:sysClr val="windowText" lastClr="000000"/>
-                            </a:solidFill>
+                            <a:noFill/>
                           </a:ln>
                           <a:solidFill>
-                            <a:schemeClr val="bg1"/>
+                            <a:schemeClr val="tx2">
+                              <a:lumMod val="50000"/>
+                            </a:schemeClr>
                           </a:solidFill>
                         </a:rPr>
                         <a:t>iter</a:t>
@@ -6383,12 +6426,12 @@
                       <a:r>
                         <a:rPr lang="en-US" altLang="ko-KR" sz="1500" b="1" dirty="0">
                           <a:ln>
-                            <a:solidFill>
-                              <a:sysClr val="windowText" lastClr="000000"/>
-                            </a:solidFill>
+                            <a:noFill/>
                           </a:ln>
                           <a:solidFill>
-                            <a:schemeClr val="bg1"/>
+                            <a:schemeClr val="tx2">
+                              <a:lumMod val="50000"/>
+                            </a:schemeClr>
                           </a:solidFill>
                         </a:rPr>
                         <a:t>);</a:t>
@@ -6397,27 +6440,40 @@
                     <a:p>
                       <a:pPr latinLnBrk="1"/>
                       <a:r>
+                        <a:rPr lang="en-US" altLang="ko-KR" sz="1500" b="1" dirty="0" err="1">
+                          <a:ln>
+                            <a:noFill/>
+                          </a:ln>
+                          <a:solidFill>
+                            <a:schemeClr val="tx2">
+                              <a:lumMod val="50000"/>
+                            </a:schemeClr>
+                          </a:solidFill>
+                        </a:rPr>
+                        <a:t>Iter</a:t>
+                      </a:r>
+                      <a:r>
                         <a:rPr lang="en-US" altLang="ko-KR" sz="1500" b="1" dirty="0">
                           <a:ln>
-                            <a:solidFill>
-                              <a:sysClr val="windowText" lastClr="000000"/>
-                            </a:solidFill>
+                            <a:noFill/>
                           </a:ln>
                           <a:solidFill>
-                            <a:schemeClr val="bg1"/>
+                            <a:schemeClr val="tx2">
+                              <a:lumMod val="50000"/>
+                            </a:schemeClr>
                           </a:solidFill>
                         </a:rPr>
-                        <a:t>It = </a:t>
+                        <a:t> = </a:t>
                       </a:r>
                       <a:r>
                         <a:rPr lang="en-US" altLang="ko-KR" sz="1500" b="1" dirty="0" err="1">
                           <a:ln>
-                            <a:solidFill>
-                              <a:sysClr val="windowText" lastClr="000000"/>
-                            </a:solidFill>
+                            <a:noFill/>
                           </a:ln>
                           <a:solidFill>
-                            <a:schemeClr val="bg1"/>
+                            <a:schemeClr val="tx2">
+                              <a:lumMod val="50000"/>
+                            </a:schemeClr>
                           </a:solidFill>
                         </a:rPr>
                         <a:t>List.erase</a:t>
@@ -6425,12 +6481,12 @@
                       <a:r>
                         <a:rPr lang="en-US" altLang="ko-KR" sz="1500" b="1" dirty="0">
                           <a:ln>
-                            <a:solidFill>
-                              <a:sysClr val="windowText" lastClr="000000"/>
-                            </a:solidFill>
+                            <a:noFill/>
                           </a:ln>
                           <a:solidFill>
-                            <a:schemeClr val="bg1"/>
+                            <a:schemeClr val="tx2">
+                              <a:lumMod val="50000"/>
+                            </a:schemeClr>
                           </a:solidFill>
                         </a:rPr>
                         <a:t>(</a:t>
@@ -6438,12 +6494,12 @@
                       <a:r>
                         <a:rPr lang="en-US" altLang="ko-KR" sz="1500" b="1" dirty="0" err="1">
                           <a:ln>
-                            <a:solidFill>
-                              <a:sysClr val="windowText" lastClr="000000"/>
-                            </a:solidFill>
+                            <a:noFill/>
                           </a:ln>
                           <a:solidFill>
-                            <a:schemeClr val="bg1"/>
+                            <a:schemeClr val="tx2">
+                              <a:lumMod val="50000"/>
+                            </a:schemeClr>
                           </a:solidFill>
                         </a:rPr>
                         <a:t>iter_begin</a:t>
@@ -6451,12 +6507,12 @@
                       <a:r>
                         <a:rPr lang="en-US" altLang="ko-KR" sz="1500" b="1" dirty="0">
                           <a:ln>
-                            <a:solidFill>
-                              <a:sysClr val="windowText" lastClr="000000"/>
-                            </a:solidFill>
+                            <a:noFill/>
                           </a:ln>
                           <a:solidFill>
-                            <a:schemeClr val="bg1"/>
+                            <a:schemeClr val="tx2">
+                              <a:lumMod val="50000"/>
+                            </a:schemeClr>
                           </a:solidFill>
                         </a:rPr>
                         <a:t>, </a:t>
@@ -6464,12 +6520,12 @@
                       <a:r>
                         <a:rPr lang="en-US" altLang="ko-KR" sz="1500" b="1" dirty="0" err="1">
                           <a:ln>
-                            <a:solidFill>
-                              <a:sysClr val="windowText" lastClr="000000"/>
-                            </a:solidFill>
+                            <a:noFill/>
                           </a:ln>
                           <a:solidFill>
-                            <a:schemeClr val="bg1"/>
+                            <a:schemeClr val="tx2">
+                              <a:lumMod val="50000"/>
+                            </a:schemeClr>
                           </a:solidFill>
                         </a:rPr>
                         <a:t>iter_end</a:t>
@@ -6477,24 +6533,24 @@
                       <a:r>
                         <a:rPr lang="en-US" altLang="ko-KR" sz="1500" b="1" dirty="0">
                           <a:ln>
-                            <a:solidFill>
-                              <a:sysClr val="windowText" lastClr="000000"/>
-                            </a:solidFill>
+                            <a:noFill/>
                           </a:ln>
                           <a:solidFill>
-                            <a:schemeClr val="bg1"/>
+                            <a:schemeClr val="tx2">
+                              <a:lumMod val="50000"/>
+                            </a:schemeClr>
                           </a:solidFill>
                         </a:rPr>
                         <a:t>);</a:t>
                       </a:r>
                       <a:endParaRPr lang="ko-KR" altLang="en-US" sz="1500" b="1" dirty="0">
                         <a:ln>
-                          <a:solidFill>
-                            <a:sysClr val="windowText" lastClr="000000"/>
-                          </a:solidFill>
+                          <a:noFill/>
                         </a:ln>
                         <a:solidFill>
-                          <a:schemeClr val="bg1"/>
+                          <a:schemeClr val="tx2">
+                            <a:lumMod val="50000"/>
+                          </a:schemeClr>
                         </a:solidFill>
                       </a:endParaRPr>
                     </a:p>
@@ -6545,8 +6601,9 @@
                       <a:prstDash val="solid"/>
                     </a:lnBlToTr>
                     <a:solidFill>
-                      <a:schemeClr val="accent1">
-                        <a:lumMod val="50000"/>
+                      <a:schemeClr val="accent5">
+                        <a:lumMod val="60000"/>
+                        <a:lumOff val="40000"/>
                       </a:schemeClr>
                     </a:solidFill>
                   </a:tcPr>
@@ -6560,12 +6617,12 @@
                       <a:r>
                         <a:rPr lang="ko-KR" altLang="en-US" sz="1500" b="1" dirty="0">
                           <a:ln>
-                            <a:solidFill>
-                              <a:sysClr val="windowText" lastClr="000000"/>
-                            </a:solidFill>
+                            <a:noFill/>
                           </a:ln>
                           <a:solidFill>
-                            <a:schemeClr val="bg1"/>
+                            <a:schemeClr val="tx2">
+                              <a:lumMod val="50000"/>
+                            </a:schemeClr>
                           </a:solidFill>
                         </a:rPr>
                         <a:t>지정한 위치</a:t>
@@ -6573,12 +6630,12 @@
                       <a:r>
                         <a:rPr lang="en-US" altLang="ko-KR" sz="1500" b="1" dirty="0">
                           <a:ln>
-                            <a:solidFill>
-                              <a:sysClr val="windowText" lastClr="000000"/>
-                            </a:solidFill>
+                            <a:noFill/>
                           </a:ln>
                           <a:solidFill>
-                            <a:schemeClr val="bg1"/>
+                            <a:schemeClr val="tx2">
+                              <a:lumMod val="50000"/>
+                            </a:schemeClr>
                           </a:solidFill>
                         </a:rPr>
                         <a:t> </a:t>
@@ -6586,15 +6643,41 @@
                       <a:r>
                         <a:rPr lang="ko-KR" altLang="en-US" sz="1500" b="1" dirty="0">
                           <a:ln>
-                            <a:solidFill>
-                              <a:sysClr val="windowText" lastClr="000000"/>
-                            </a:solidFill>
+                            <a:noFill/>
                           </a:ln>
                           <a:solidFill>
-                            <a:schemeClr val="bg1"/>
+                            <a:schemeClr val="tx2">
+                              <a:lumMod val="50000"/>
+                            </a:schemeClr>
                           </a:solidFill>
                         </a:rPr>
-                        <a:t>또는 범위에 있는 요소를 제거</a:t>
+                        <a:t>또는 범위에 있는 요소를 제거하고 </a:t>
+                      </a:r>
+                      <a:endParaRPr lang="en-US" altLang="ko-KR" sz="1500" b="1" dirty="0">
+                        <a:ln>
+                          <a:noFill/>
+                        </a:ln>
+                        <a:solidFill>
+                          <a:schemeClr val="tx2">
+                            <a:lumMod val="50000"/>
+                          </a:schemeClr>
+                        </a:solidFill>
+                      </a:endParaRPr>
+                    </a:p>
+                    <a:p>
+                      <a:pPr latinLnBrk="1"/>
+                      <a:r>
+                        <a:rPr lang="ko-KR" altLang="en-US" sz="1500" b="1" dirty="0">
+                          <a:ln>
+                            <a:noFill/>
+                          </a:ln>
+                          <a:solidFill>
+                            <a:schemeClr val="tx2">
+                              <a:lumMod val="50000"/>
+                            </a:schemeClr>
+                          </a:solidFill>
+                        </a:rPr>
+                        <a:t>다음 요소의 반복자를 반환</a:t>
                       </a:r>
                     </a:p>
                   </a:txBody>
@@ -6644,8 +6727,9 @@
                       <a:prstDash val="solid"/>
                     </a:lnBlToTr>
                     <a:solidFill>
-                      <a:schemeClr val="accent1">
-                        <a:lumMod val="50000"/>
+                      <a:schemeClr val="accent5">
+                        <a:lumMod val="60000"/>
+                        <a:lumOff val="40000"/>
                       </a:schemeClr>
                     </a:solidFill>
                   </a:tcPr>
@@ -6666,12 +6750,12 @@
                       <a:r>
                         <a:rPr lang="en-US" altLang="ko-KR" sz="1500" b="1" dirty="0" err="1">
                           <a:ln>
-                            <a:solidFill>
-                              <a:sysClr val="windowText" lastClr="000000"/>
-                            </a:solidFill>
+                            <a:noFill/>
                           </a:ln>
                           <a:solidFill>
-                            <a:schemeClr val="bg1"/>
+                            <a:schemeClr val="tx2">
+                              <a:lumMod val="50000"/>
+                            </a:schemeClr>
                           </a:solidFill>
                         </a:rPr>
                         <a:t>List.insert</a:t>
@@ -6679,12 +6763,12 @@
                       <a:r>
                         <a:rPr lang="en-US" altLang="ko-KR" sz="1500" b="1" dirty="0">
                           <a:ln>
-                            <a:solidFill>
-                              <a:sysClr val="windowText" lastClr="000000"/>
-                            </a:solidFill>
+                            <a:noFill/>
                           </a:ln>
                           <a:solidFill>
-                            <a:schemeClr val="bg1"/>
+                            <a:schemeClr val="tx2">
+                              <a:lumMod val="50000"/>
+                            </a:schemeClr>
                           </a:solidFill>
                         </a:rPr>
                         <a:t>(</a:t>
@@ -6692,12 +6776,12 @@
                       <a:r>
                         <a:rPr lang="en-US" altLang="ko-KR" sz="1500" b="1" dirty="0" err="1">
                           <a:ln>
-                            <a:solidFill>
-                              <a:sysClr val="windowText" lastClr="000000"/>
-                            </a:solidFill>
+                            <a:noFill/>
                           </a:ln>
                           <a:solidFill>
-                            <a:schemeClr val="bg1"/>
+                            <a:schemeClr val="tx2">
+                              <a:lumMod val="50000"/>
+                            </a:schemeClr>
                           </a:solidFill>
                         </a:rPr>
                         <a:t>iter</a:t>
@@ -6705,24 +6789,24 @@
                       <a:r>
                         <a:rPr lang="en-US" altLang="ko-KR" sz="1500" b="1" dirty="0">
                           <a:ln>
-                            <a:solidFill>
-                              <a:sysClr val="windowText" lastClr="000000"/>
-                            </a:solidFill>
+                            <a:noFill/>
                           </a:ln>
                           <a:solidFill>
-                            <a:schemeClr val="bg1"/>
+                            <a:schemeClr val="tx2">
+                              <a:lumMod val="50000"/>
+                            </a:schemeClr>
                           </a:solidFill>
                         </a:rPr>
                         <a:t>, x);</a:t>
                       </a:r>
                       <a:endParaRPr lang="ko-KR" altLang="en-US" sz="1500" b="1" dirty="0">
                         <a:ln>
-                          <a:solidFill>
-                            <a:sysClr val="windowText" lastClr="000000"/>
-                          </a:solidFill>
+                          <a:noFill/>
                         </a:ln>
                         <a:solidFill>
-                          <a:schemeClr val="bg1"/>
+                          <a:schemeClr val="tx2">
+                            <a:lumMod val="50000"/>
+                          </a:schemeClr>
                         </a:solidFill>
                       </a:endParaRPr>
                     </a:p>
@@ -6773,8 +6857,9 @@
                       <a:prstDash val="solid"/>
                     </a:lnBlToTr>
                     <a:solidFill>
-                      <a:schemeClr val="accent1">
-                        <a:lumMod val="50000"/>
+                      <a:schemeClr val="accent5">
+                        <a:lumMod val="60000"/>
+                        <a:lumOff val="40000"/>
                       </a:schemeClr>
                     </a:solidFill>
                   </a:tcPr>
@@ -6788,12 +6873,12 @@
                       <a:r>
                         <a:rPr lang="ko-KR" altLang="en-US" sz="1500" b="1" dirty="0">
                           <a:ln>
-                            <a:solidFill>
-                              <a:sysClr val="windowText" lastClr="000000"/>
-                            </a:solidFill>
+                            <a:noFill/>
                           </a:ln>
                           <a:solidFill>
-                            <a:schemeClr val="bg1"/>
+                            <a:schemeClr val="tx2">
+                              <a:lumMod val="50000"/>
+                            </a:schemeClr>
                           </a:solidFill>
                         </a:rPr>
                         <a:t>지정한 위치에 요소를 추가</a:t>
@@ -6846,8 +6931,9 @@
                       <a:prstDash val="solid"/>
                     </a:lnBlToTr>
                     <a:solidFill>
-                      <a:schemeClr val="accent1">
-                        <a:lumMod val="50000"/>
+                      <a:schemeClr val="accent5">
+                        <a:lumMod val="60000"/>
+                        <a:lumOff val="40000"/>
                       </a:schemeClr>
                     </a:solidFill>
                   </a:tcPr>
@@ -6868,12 +6954,12 @@
                       <a:r>
                         <a:rPr lang="en-US" altLang="ko-KR" sz="1500" b="1" dirty="0" err="1">
                           <a:ln>
-                            <a:solidFill>
-                              <a:sysClr val="windowText" lastClr="000000"/>
-                            </a:solidFill>
+                            <a:noFill/>
                           </a:ln>
                           <a:solidFill>
-                            <a:schemeClr val="bg1"/>
+                            <a:schemeClr val="tx2">
+                              <a:lumMod val="50000"/>
+                            </a:schemeClr>
                           </a:solidFill>
                         </a:rPr>
                         <a:t>List.sort</a:t>
@@ -6881,12 +6967,12 @@
                       <a:r>
                         <a:rPr lang="en-US" altLang="ko-KR" sz="1500" b="1" dirty="0">
                           <a:ln>
-                            <a:solidFill>
-                              <a:sysClr val="windowText" lastClr="000000"/>
-                            </a:solidFill>
+                            <a:noFill/>
                           </a:ln>
                           <a:solidFill>
-                            <a:schemeClr val="bg1"/>
+                            <a:schemeClr val="tx2">
+                              <a:lumMod val="50000"/>
+                            </a:schemeClr>
                           </a:solidFill>
                         </a:rPr>
                         <a:t>();</a:t>
@@ -6897,12 +6983,12 @@
                       <a:r>
                         <a:rPr lang="en-US" altLang="ko-KR" sz="1500" b="1" dirty="0" err="1">
                           <a:ln>
-                            <a:solidFill>
-                              <a:sysClr val="windowText" lastClr="000000"/>
-                            </a:solidFill>
+                            <a:noFill/>
                           </a:ln>
                           <a:solidFill>
-                            <a:schemeClr val="bg1"/>
+                            <a:schemeClr val="tx2">
+                              <a:lumMod val="50000"/>
+                            </a:schemeClr>
                           </a:solidFill>
                         </a:rPr>
                         <a:t>List.sort</a:t>
@@ -6910,24 +6996,24 @@
                       <a:r>
                         <a:rPr lang="en-US" altLang="ko-KR" sz="1500" b="1" dirty="0">
                           <a:ln>
-                            <a:solidFill>
-                              <a:sysClr val="windowText" lastClr="000000"/>
-                            </a:solidFill>
+                            <a:noFill/>
                           </a:ln>
                           <a:solidFill>
-                            <a:schemeClr val="bg1"/>
+                            <a:schemeClr val="tx2">
+                              <a:lumMod val="50000"/>
+                            </a:schemeClr>
                           </a:solidFill>
                         </a:rPr>
                         <a:t>(predicate);</a:t>
                       </a:r>
                       <a:endParaRPr lang="ko-KR" altLang="en-US" sz="1500" b="1" dirty="0">
                         <a:ln>
-                          <a:solidFill>
-                            <a:sysClr val="windowText" lastClr="000000"/>
-                          </a:solidFill>
+                          <a:noFill/>
                         </a:ln>
                         <a:solidFill>
-                          <a:schemeClr val="bg1"/>
+                          <a:schemeClr val="tx2">
+                            <a:lumMod val="50000"/>
+                          </a:schemeClr>
                         </a:solidFill>
                       </a:endParaRPr>
                     </a:p>
@@ -6978,8 +7064,9 @@
                       <a:prstDash val="solid"/>
                     </a:lnBlToTr>
                     <a:solidFill>
-                      <a:schemeClr val="accent1">
-                        <a:lumMod val="50000"/>
+                      <a:schemeClr val="accent5">
+                        <a:lumMod val="60000"/>
+                        <a:lumOff val="40000"/>
                       </a:schemeClr>
                     </a:solidFill>
                   </a:tcPr>
@@ -6993,12 +7080,12 @@
                       <a:r>
                         <a:rPr lang="ko-KR" altLang="en-US" sz="1500" b="1" dirty="0">
                           <a:ln>
-                            <a:solidFill>
-                              <a:sysClr val="windowText" lastClr="000000"/>
-                            </a:solidFill>
+                            <a:noFill/>
                           </a:ln>
                           <a:solidFill>
-                            <a:schemeClr val="bg1"/>
+                            <a:schemeClr val="tx2">
+                              <a:lumMod val="50000"/>
+                            </a:schemeClr>
                           </a:solidFill>
                         </a:rPr>
                         <a:t>리스트를 오름차순 또는</a:t>
@@ -7006,12 +7093,12 @@
                       <a:r>
                         <a:rPr lang="en-US" altLang="ko-KR" sz="1500" b="1" dirty="0">
                           <a:ln>
-                            <a:solidFill>
-                              <a:sysClr val="windowText" lastClr="000000"/>
-                            </a:solidFill>
+                            <a:noFill/>
                           </a:ln>
                           <a:solidFill>
-                            <a:schemeClr val="bg1"/>
+                            <a:schemeClr val="tx2">
+                              <a:lumMod val="50000"/>
+                            </a:schemeClr>
                           </a:solidFill>
                         </a:rPr>
                         <a:t> </a:t>
@@ -7019,12 +7106,12 @@
                       <a:r>
                         <a:rPr lang="ko-KR" altLang="en-US" sz="1500" b="1" dirty="0">
                           <a:ln>
-                            <a:solidFill>
-                              <a:sysClr val="windowText" lastClr="000000"/>
-                            </a:solidFill>
+                            <a:noFill/>
                           </a:ln>
                           <a:solidFill>
-                            <a:schemeClr val="bg1"/>
+                            <a:schemeClr val="tx2">
+                              <a:lumMod val="50000"/>
+                            </a:schemeClr>
                           </a:solidFill>
                         </a:rPr>
                         <a:t>조건으로 정렬</a:t>
@@ -7077,8 +7164,9 @@
                       <a:prstDash val="solid"/>
                     </a:lnBlToTr>
                     <a:solidFill>
-                      <a:schemeClr val="accent1">
-                        <a:lumMod val="50000"/>
+                      <a:schemeClr val="accent5">
+                        <a:lumMod val="60000"/>
+                        <a:lumOff val="40000"/>
                       </a:schemeClr>
                     </a:solidFill>
                   </a:tcPr>
@@ -7099,12 +7187,12 @@
                       <a:r>
                         <a:rPr lang="en-US" altLang="ko-KR" sz="1500" b="1" dirty="0" err="1">
                           <a:ln>
-                            <a:solidFill>
-                              <a:sysClr val="windowText" lastClr="000000"/>
-                            </a:solidFill>
+                            <a:noFill/>
                           </a:ln>
                           <a:solidFill>
-                            <a:schemeClr val="bg1"/>
+                            <a:schemeClr val="tx2">
+                              <a:lumMod val="50000"/>
+                            </a:schemeClr>
                           </a:solidFill>
                         </a:rPr>
                         <a:t>List.unique</a:t>
@@ -7112,24 +7200,24 @@
                       <a:r>
                         <a:rPr lang="en-US" altLang="ko-KR" sz="1500" b="1" dirty="0">
                           <a:ln>
-                            <a:solidFill>
-                              <a:sysClr val="windowText" lastClr="000000"/>
-                            </a:solidFill>
+                            <a:noFill/>
                           </a:ln>
                           <a:solidFill>
-                            <a:schemeClr val="bg1"/>
+                            <a:schemeClr val="tx2">
+                              <a:lumMod val="50000"/>
+                            </a:schemeClr>
                           </a:solidFill>
                         </a:rPr>
                         <a:t>();</a:t>
                       </a:r>
                       <a:endParaRPr lang="ko-KR" altLang="en-US" sz="1500" b="1" dirty="0">
                         <a:ln>
-                          <a:solidFill>
-                            <a:sysClr val="windowText" lastClr="000000"/>
-                          </a:solidFill>
+                          <a:noFill/>
                         </a:ln>
                         <a:solidFill>
-                          <a:schemeClr val="bg1"/>
+                          <a:schemeClr val="tx2">
+                            <a:lumMod val="50000"/>
+                          </a:schemeClr>
                         </a:solidFill>
                       </a:endParaRPr>
                     </a:p>
@@ -7180,8 +7268,9 @@
                       <a:prstDash val="solid"/>
                     </a:lnBlToTr>
                     <a:solidFill>
-                      <a:schemeClr val="accent1">
-                        <a:lumMod val="50000"/>
+                      <a:schemeClr val="accent5">
+                        <a:lumMod val="60000"/>
+                        <a:lumOff val="40000"/>
                       </a:schemeClr>
                     </a:solidFill>
                   </a:tcPr>
@@ -7195,12 +7284,12 @@
                       <a:r>
                         <a:rPr lang="ko-KR" altLang="en-US" sz="1500" b="1" dirty="0">
                           <a:ln>
-                            <a:solidFill>
-                              <a:sysClr val="windowText" lastClr="000000"/>
-                            </a:solidFill>
+                            <a:noFill/>
                           </a:ln>
                           <a:solidFill>
-                            <a:schemeClr val="bg1"/>
+                            <a:schemeClr val="tx2">
+                              <a:lumMod val="50000"/>
+                            </a:schemeClr>
                           </a:solidFill>
                         </a:rPr>
                         <a:t>리스트 내부에서 인접하는 중복 요소를 제거</a:t>
@@ -7253,8 +7342,9 @@
                       <a:prstDash val="solid"/>
                     </a:lnBlToTr>
                     <a:solidFill>
-                      <a:schemeClr val="accent1">
-                        <a:lumMod val="50000"/>
+                      <a:schemeClr val="accent5">
+                        <a:lumMod val="60000"/>
+                        <a:lumOff val="40000"/>
                       </a:schemeClr>
                     </a:solidFill>
                   </a:tcPr>
@@ -7275,12 +7365,12 @@
                       <a:r>
                         <a:rPr lang="en-US" altLang="ko-KR" sz="1500" b="1" dirty="0" err="1">
                           <a:ln>
-                            <a:solidFill>
-                              <a:sysClr val="windowText" lastClr="000000"/>
-                            </a:solidFill>
+                            <a:noFill/>
                           </a:ln>
                           <a:solidFill>
-                            <a:schemeClr val="bg1"/>
+                            <a:schemeClr val="tx2">
+                              <a:lumMod val="50000"/>
+                            </a:schemeClr>
                           </a:solidFill>
                         </a:rPr>
                         <a:t>List.size</a:t>
@@ -7288,24 +7378,24 @@
                       <a:r>
                         <a:rPr lang="en-US" altLang="ko-KR" sz="1500" b="1" dirty="0">
                           <a:ln>
-                            <a:solidFill>
-                              <a:sysClr val="windowText" lastClr="000000"/>
-                            </a:solidFill>
+                            <a:noFill/>
                           </a:ln>
                           <a:solidFill>
-                            <a:schemeClr val="bg1"/>
+                            <a:schemeClr val="tx2">
+                              <a:lumMod val="50000"/>
+                            </a:schemeClr>
                           </a:solidFill>
                         </a:rPr>
                         <a:t>();</a:t>
                       </a:r>
                       <a:endParaRPr lang="ko-KR" altLang="en-US" sz="1500" b="1" dirty="0">
                         <a:ln>
-                          <a:solidFill>
-                            <a:sysClr val="windowText" lastClr="000000"/>
-                          </a:solidFill>
+                          <a:noFill/>
                         </a:ln>
                         <a:solidFill>
-                          <a:schemeClr val="bg1"/>
+                          <a:schemeClr val="tx2">
+                            <a:lumMod val="50000"/>
+                          </a:schemeClr>
                         </a:solidFill>
                       </a:endParaRPr>
                     </a:p>
@@ -7356,8 +7446,9 @@
                       <a:prstDash val="solid"/>
                     </a:lnBlToTr>
                     <a:solidFill>
-                      <a:schemeClr val="accent1">
-                        <a:lumMod val="50000"/>
+                      <a:schemeClr val="accent5">
+                        <a:lumMod val="60000"/>
+                        <a:lumOff val="40000"/>
                       </a:schemeClr>
                     </a:solidFill>
                   </a:tcPr>
@@ -7371,12 +7462,12 @@
                       <a:r>
                         <a:rPr lang="ko-KR" altLang="en-US" sz="1500" b="1" dirty="0">
                           <a:ln>
-                            <a:solidFill>
-                              <a:sysClr val="windowText" lastClr="000000"/>
-                            </a:solidFill>
+                            <a:noFill/>
                           </a:ln>
                           <a:solidFill>
-                            <a:schemeClr val="bg1"/>
+                            <a:schemeClr val="tx2">
+                              <a:lumMod val="50000"/>
+                            </a:schemeClr>
                           </a:solidFill>
                         </a:rPr>
                         <a:t>리스트에 있는 요소들의 수를 반환</a:t>
@@ -7429,8 +7520,9 @@
                       <a:prstDash val="solid"/>
                     </a:lnBlToTr>
                     <a:solidFill>
-                      <a:schemeClr val="accent1">
-                        <a:lumMod val="50000"/>
+                      <a:schemeClr val="accent5">
+                        <a:lumMod val="60000"/>
+                        <a:lumOff val="40000"/>
                       </a:schemeClr>
                     </a:solidFill>
                   </a:tcPr>
@@ -7451,12 +7543,12 @@
                       <a:r>
                         <a:rPr lang="en-US" altLang="ko-KR" sz="1500" b="1" dirty="0" err="1">
                           <a:ln>
-                            <a:solidFill>
-                              <a:sysClr val="windowText" lastClr="000000"/>
-                            </a:solidFill>
+                            <a:noFill/>
                           </a:ln>
                           <a:solidFill>
-                            <a:schemeClr val="bg1"/>
+                            <a:schemeClr val="tx2">
+                              <a:lumMod val="50000"/>
+                            </a:schemeClr>
                           </a:solidFill>
                         </a:rPr>
                         <a:t>List.empty</a:t>
@@ -7464,24 +7556,24 @@
                       <a:r>
                         <a:rPr lang="en-US" altLang="ko-KR" sz="1500" b="1" dirty="0">
                           <a:ln>
-                            <a:solidFill>
-                              <a:sysClr val="windowText" lastClr="000000"/>
-                            </a:solidFill>
+                            <a:noFill/>
                           </a:ln>
                           <a:solidFill>
-                            <a:schemeClr val="bg1"/>
+                            <a:schemeClr val="tx2">
+                              <a:lumMod val="50000"/>
+                            </a:schemeClr>
                           </a:solidFill>
                         </a:rPr>
                         <a:t>();</a:t>
                       </a:r>
                       <a:endParaRPr lang="ko-KR" altLang="en-US" sz="1500" b="1" dirty="0">
                         <a:ln>
-                          <a:solidFill>
-                            <a:sysClr val="windowText" lastClr="000000"/>
-                          </a:solidFill>
+                          <a:noFill/>
                         </a:ln>
                         <a:solidFill>
-                          <a:schemeClr val="bg1"/>
+                          <a:schemeClr val="tx2">
+                            <a:lumMod val="50000"/>
+                          </a:schemeClr>
                         </a:solidFill>
                       </a:endParaRPr>
                     </a:p>
@@ -7532,8 +7624,9 @@
                       <a:prstDash val="solid"/>
                     </a:lnBlToTr>
                     <a:solidFill>
-                      <a:schemeClr val="accent1">
-                        <a:lumMod val="50000"/>
+                      <a:schemeClr val="accent5">
+                        <a:lumMod val="60000"/>
+                        <a:lumOff val="40000"/>
                       </a:schemeClr>
                     </a:solidFill>
                   </a:tcPr>
@@ -7547,12 +7640,12 @@
                       <a:r>
                         <a:rPr lang="ko-KR" altLang="en-US" sz="1500" b="1" dirty="0">
                           <a:ln>
-                            <a:solidFill>
-                              <a:sysClr val="windowText" lastClr="000000"/>
-                            </a:solidFill>
+                            <a:noFill/>
                           </a:ln>
                           <a:solidFill>
-                            <a:schemeClr val="bg1"/>
+                            <a:schemeClr val="tx2">
+                              <a:lumMod val="50000"/>
+                            </a:schemeClr>
                           </a:solidFill>
                         </a:rPr>
                         <a:t>리스트가 비어 있는지 판단</a:t>
@@ -7605,8 +7698,9 @@
                       <a:prstDash val="solid"/>
                     </a:lnBlToTr>
                     <a:solidFill>
-                      <a:schemeClr val="accent1">
-                        <a:lumMod val="50000"/>
+                      <a:schemeClr val="accent5">
+                        <a:lumMod val="60000"/>
+                        <a:lumOff val="40000"/>
                       </a:schemeClr>
                     </a:solidFill>
                   </a:tcPr>
